--- a/folded_gilbert/波動信号処理回路研究室_小島_発表概要スライド.pptx
+++ b/folded_gilbert/波動信号処理回路研究室_小島_発表概要スライド.pptx
@@ -208,7 +208,7 @@
           <a:p>
             <a:fld id="{C99C06C3-48C1-463A-AC45-20FC27E8E733}" type="datetimeFigureOut">
               <a:rPr kumimoji="1" lang="ja-JP" altLang="en-US" smtClean="0"/>
-              <a:t>2024/2/19</a:t>
+              <a:t>2024/2/20</a:t>
             </a:fld>
             <a:endParaRPr kumimoji="1" lang="ja-JP" altLang="en-US"/>
           </a:p>
@@ -433,7 +433,7 @@
           <a:p>
             <a:fld id="{3FCA2727-714C-4934-8399-61DD60875909}" type="datetimeFigureOut">
               <a:rPr kumimoji="1" lang="ja-JP" altLang="en-US" smtClean="0"/>
-              <a:t>2024/2/19</a:t>
+              <a:t>2024/2/20</a:t>
             </a:fld>
             <a:endParaRPr kumimoji="1" lang="ja-JP" altLang="en-US"/>
           </a:p>
@@ -667,7 +667,7 @@
           <a:p>
             <a:fld id="{3FCA2727-714C-4934-8399-61DD60875909}" type="datetimeFigureOut">
               <a:rPr kumimoji="1" lang="ja-JP" altLang="en-US" smtClean="0"/>
-              <a:t>2024/2/19</a:t>
+              <a:t>2024/2/20</a:t>
             </a:fld>
             <a:endParaRPr kumimoji="1" lang="ja-JP" altLang="en-US"/>
           </a:p>
@@ -906,7 +906,7 @@
           <a:p>
             <a:fld id="{3FCA2727-714C-4934-8399-61DD60875909}" type="datetimeFigureOut">
               <a:rPr kumimoji="1" lang="ja-JP" altLang="en-US" smtClean="0"/>
-              <a:t>2024/2/19</a:t>
+              <a:t>2024/2/20</a:t>
             </a:fld>
             <a:endParaRPr kumimoji="1" lang="ja-JP" altLang="en-US"/>
           </a:p>
@@ -1171,7 +1171,7 @@
           <a:p>
             <a:fld id="{3FCA2727-714C-4934-8399-61DD60875909}" type="datetimeFigureOut">
               <a:rPr kumimoji="1" lang="ja-JP" altLang="en-US" smtClean="0"/>
-              <a:t>2024/2/19</a:t>
+              <a:t>2024/2/20</a:t>
             </a:fld>
             <a:endParaRPr kumimoji="1" lang="ja-JP" altLang="en-US"/>
           </a:p>
@@ -1449,7 +1449,7 @@
           <a:p>
             <a:fld id="{3FCA2727-714C-4934-8399-61DD60875909}" type="datetimeFigureOut">
               <a:rPr kumimoji="1" lang="ja-JP" altLang="en-US" smtClean="0"/>
-              <a:t>2024/2/19</a:t>
+              <a:t>2024/2/20</a:t>
             </a:fld>
             <a:endParaRPr kumimoji="1" lang="ja-JP" altLang="en-US"/>
           </a:p>
@@ -1775,7 +1775,7 @@
           <a:p>
             <a:fld id="{3FCA2727-714C-4934-8399-61DD60875909}" type="datetimeFigureOut">
               <a:rPr kumimoji="1" lang="ja-JP" altLang="en-US" smtClean="0"/>
-              <a:t>2024/2/19</a:t>
+              <a:t>2024/2/20</a:t>
             </a:fld>
             <a:endParaRPr kumimoji="1" lang="ja-JP" altLang="en-US"/>
           </a:p>
@@ -2242,7 +2242,7 @@
           <a:p>
             <a:fld id="{3FCA2727-714C-4934-8399-61DD60875909}" type="datetimeFigureOut">
               <a:rPr kumimoji="1" lang="ja-JP" altLang="en-US" smtClean="0"/>
-              <a:t>2024/2/19</a:t>
+              <a:t>2024/2/20</a:t>
             </a:fld>
             <a:endParaRPr kumimoji="1" lang="ja-JP" altLang="en-US"/>
           </a:p>
@@ -2384,7 +2384,7 @@
           <a:p>
             <a:fld id="{3FCA2727-714C-4934-8399-61DD60875909}" type="datetimeFigureOut">
               <a:rPr kumimoji="1" lang="ja-JP" altLang="en-US" smtClean="0"/>
-              <a:t>2024/2/19</a:t>
+              <a:t>2024/2/20</a:t>
             </a:fld>
             <a:endParaRPr kumimoji="1" lang="ja-JP" altLang="en-US"/>
           </a:p>
@@ -2503,7 +2503,7 @@
           <a:p>
             <a:fld id="{3FCA2727-714C-4934-8399-61DD60875909}" type="datetimeFigureOut">
               <a:rPr kumimoji="1" lang="ja-JP" altLang="en-US" smtClean="0"/>
-              <a:t>2024/2/19</a:t>
+              <a:t>2024/2/20</a:t>
             </a:fld>
             <a:endParaRPr kumimoji="1" lang="ja-JP" altLang="en-US"/>
           </a:p>
@@ -2842,7 +2842,7 @@
           <a:p>
             <a:fld id="{3FCA2727-714C-4934-8399-61DD60875909}" type="datetimeFigureOut">
               <a:rPr kumimoji="1" lang="ja-JP" altLang="en-US" smtClean="0"/>
-              <a:t>2024/2/19</a:t>
+              <a:t>2024/2/20</a:t>
             </a:fld>
             <a:endParaRPr kumimoji="1" lang="ja-JP" altLang="en-US"/>
           </a:p>
@@ -3129,7 +3129,7 @@
           <a:p>
             <a:fld id="{3FCA2727-714C-4934-8399-61DD60875909}" type="datetimeFigureOut">
               <a:rPr kumimoji="1" lang="ja-JP" altLang="en-US" smtClean="0"/>
-              <a:t>2024/2/19</a:t>
+              <a:t>2024/2/20</a:t>
             </a:fld>
             <a:endParaRPr kumimoji="1" lang="ja-JP" altLang="en-US"/>
           </a:p>
@@ -3798,8 +3798,8 @@
         </p:nvSpPr>
         <p:spPr>
           <a:xfrm>
-            <a:off x="3803" y="983345"/>
-            <a:ext cx="4134465" cy="523220"/>
+            <a:off x="0" y="1114175"/>
+            <a:ext cx="3005951" cy="400110"/>
           </a:xfrm>
           <a:prstGeom prst="rect">
             <a:avLst/>
@@ -3813,7 +3813,7 @@
           <a:lstStyle/>
           <a:p>
             <a:r>
-              <a:rPr kumimoji="1" lang="ja-JP" altLang="en-US" sz="2800" dirty="0"/>
+              <a:rPr kumimoji="1" lang="ja-JP" altLang="en-US" sz="2000" dirty="0"/>
               <a:t>波動信号処理回路研究室</a:t>
             </a:r>
           </a:p>
@@ -3868,8 +3868,8 @@
         </p:nvSpPr>
         <p:spPr>
           <a:xfrm>
-            <a:off x="155576" y="152400"/>
-            <a:ext cx="11880850" cy="1200329"/>
+            <a:off x="155574" y="558579"/>
+            <a:ext cx="11880850" cy="830997"/>
           </a:xfrm>
           <a:prstGeom prst="rect">
             <a:avLst/>
@@ -3884,20 +3884,16 @@
           <a:p>
             <a:pPr algn="ctr"/>
             <a:r>
-              <a:rPr kumimoji="1" lang="en-US" altLang="ja-JP" sz="3600" dirty="0"/>
-              <a:t>S/N</a:t>
-            </a:r>
-            <a:r>
-              <a:rPr kumimoji="1" lang="ja-JP" altLang="en-US" sz="3600" dirty="0"/>
-              <a:t>比向上のため出力範囲を拡大した</a:t>
-            </a:r>
-            <a:endParaRPr kumimoji="1" lang="en-US" altLang="ja-JP" sz="3600" dirty="0"/>
+              <a:rPr kumimoji="1" lang="ja-JP" altLang="en-US" sz="2400" dirty="0"/>
+              <a:t>カレントミラーを組み合わせた折り返し型アナログ乗算回路の</a:t>
+            </a:r>
+            <a:endParaRPr kumimoji="1" lang="en-US" altLang="ja-JP" sz="2400" dirty="0"/>
           </a:p>
           <a:p>
             <a:pPr algn="ctr"/>
             <a:r>
-              <a:rPr kumimoji="1" lang="ja-JP" altLang="en-US" sz="3600" dirty="0"/>
-              <a:t>アナログ乗算回路</a:t>
+              <a:rPr kumimoji="1" lang="ja-JP" altLang="en-US" sz="2400" dirty="0"/>
+              <a:t>出力範囲を拡大する回路構成</a:t>
             </a:r>
           </a:p>
         </p:txBody>
@@ -3967,8 +3963,8 @@
         </p:nvSpPr>
         <p:spPr>
           <a:xfrm>
-            <a:off x="155574" y="229344"/>
-            <a:ext cx="1415772" cy="461665"/>
+            <a:off x="0" y="143880"/>
+            <a:ext cx="2129109" cy="461665"/>
           </a:xfrm>
           <a:prstGeom prst="rect">
             <a:avLst/>
@@ -3983,8 +3979,13 @@
           <a:p>
             <a:r>
               <a:rPr kumimoji="1" lang="ja-JP" altLang="en-US" sz="2400" dirty="0"/>
-              <a:t>発表番号</a:t>
-            </a:r>
+              <a:t>発表番号 </a:t>
+            </a:r>
+            <a:r>
+              <a:rPr kumimoji="1" lang="en-US" altLang="ja-JP" sz="2400" dirty="0"/>
+              <a:t>4_01</a:t>
+            </a:r>
+            <a:endParaRPr kumimoji="1" lang="ja-JP" altLang="en-US" sz="2400" dirty="0"/>
           </a:p>
         </p:txBody>
       </p:sp>
